--- a/project/Project Proposal.pptx
+++ b/project/Project Proposal.pptx
@@ -14512,8 +14512,12 @@
           </a:p>
           <a:p>
             <a:r>
+              <a:rPr lang="en-IN"/>
+              <a:t>Query </a:t>
+            </a:r>
+            <a:r>
               <a:rPr lang="en-IN" dirty="0"/>
-              <a:t>Graph Caching</a:t>
+              <a:t>Caching</a:t>
             </a:r>
           </a:p>
           <a:p>
